--- a/Wealth_Food Deserts_and COVID.pptx
+++ b/Wealth_Food Deserts_and COVID.pptx
@@ -134,15 +134,38 @@
 </p:presentation>
 </file>
 
+<file path=ppt/revisionInfo.xml><?xml version="1.0" encoding="utf-8"?>
+<p1510:revInfo xmlns:a="http://schemas.openxmlformats.org/drawingml/2006/main" xmlns:r="http://schemas.openxmlformats.org/officeDocument/2006/relationships" xmlns:p1510="http://schemas.microsoft.com/office/powerpoint/2015/10/main">
+  <p1510:revLst>
+    <p1510:client id="{48834F75-36C9-4F5D-9405-4827B3182479}" v="1" dt="2023-08-16T23:24:00.845"/>
+  </p1510:revLst>
+</p1510:revInfo>
+</file>
+
 <file path=ppt/changesInfos/changesInfo1.xml><?xml version="1.0" encoding="utf-8"?>
 <pc:chgInfo xmlns:a="http://schemas.openxmlformats.org/drawingml/2006/main" xmlns:r="http://schemas.openxmlformats.org/officeDocument/2006/relationships" xmlns:ac="http://schemas.microsoft.com/office/drawing/2013/main/command" xmlns:pc="http://schemas.microsoft.com/office/powerpoint/2013/main/command">
   <pc:docChgLst>
     <pc:chgData name="roxanne meyer" userId="20c9b0d18ecba281" providerId="LiveId" clId="{48834F75-36C9-4F5D-9405-4827B3182479}"/>
     <pc:docChg chg="modSld sldOrd">
-      <pc:chgData name="roxanne meyer" userId="20c9b0d18ecba281" providerId="LiveId" clId="{48834F75-36C9-4F5D-9405-4827B3182479}" dt="2023-08-16T22:34:46.048" v="1"/>
+      <pc:chgData name="roxanne meyer" userId="20c9b0d18ecba281" providerId="LiveId" clId="{48834F75-36C9-4F5D-9405-4827B3182479}" dt="2023-08-16T23:24:00.845" v="2" actId="20577"/>
       <pc:docMkLst>
         <pc:docMk/>
       </pc:docMkLst>
+      <pc:sldChg chg="modSp">
+        <pc:chgData name="roxanne meyer" userId="20c9b0d18ecba281" providerId="LiveId" clId="{48834F75-36C9-4F5D-9405-4827B3182479}" dt="2023-08-16T23:24:00.845" v="2" actId="20577"/>
+        <pc:sldMkLst>
+          <pc:docMk/>
+          <pc:sldMk cId="2986574141" sldId="256"/>
+        </pc:sldMkLst>
+        <pc:spChg chg="mod">
+          <ac:chgData name="roxanne meyer" userId="20c9b0d18ecba281" providerId="LiveId" clId="{48834F75-36C9-4F5D-9405-4827B3182479}" dt="2023-08-16T23:24:00.845" v="2" actId="20577"/>
+          <ac:spMkLst>
+            <pc:docMk/>
+            <pc:sldMk cId="2986574141" sldId="256"/>
+            <ac:spMk id="3" creationId="{FEFF9A7D-1408-1F08-FDAB-5D0CC5511702}"/>
+          </ac:spMkLst>
+        </pc:spChg>
+      </pc:sldChg>
       <pc:sldChg chg="ord">
         <pc:chgData name="roxanne meyer" userId="20c9b0d18ecba281" providerId="LiveId" clId="{48834F75-36C9-4F5D-9405-4827B3182479}" dt="2023-08-16T22:34:46.048" v="1"/>
         <pc:sldMkLst>
@@ -237,7 +260,7 @@
           <a:p>
             <a:fld id="{DB4C8E75-BCCF-44DE-AC29-FC2F4E458B0F}" type="datetimeFigureOut">
               <a:rPr lang="en-US" smtClean="0"/>
-              <a:t>8/16/23</a:t>
+              <a:t>8/16/2023</a:t>
             </a:fld>
             <a:endParaRPr lang="en-US"/>
           </a:p>
@@ -632,220 +655,6 @@
           <a:bodyPr/>
           <a:lstStyle/>
           <a:p>
-            <a:pPr marL="0" marR="0" lvl="0" indent="0" algn="l" defTabSz="914400" rtl="0" eaLnBrk="1" fontAlgn="auto" latinLnBrk="0" hangingPunct="1">
-              <a:lnSpc>
-                <a:spcPct val="100000"/>
-              </a:lnSpc>
-              <a:spcBef>
-                <a:spcPts val="0"/>
-              </a:spcBef>
-              <a:spcAft>
-                <a:spcPts val="0"/>
-              </a:spcAft>
-              <a:buClrTx/>
-              <a:buSzTx/>
-              <a:buFontTx/>
-              <a:buNone/>
-              <a:tabLst/>
-              <a:defRPr/>
-            </a:pPr>
-            <a:r>
-              <a:rPr lang="en-US" dirty="0"/>
-              <a:t>Please note: there are 3 hidden figures on this slide, viewable when animations are present</a:t>
-            </a:r>
-          </a:p>
-          <a:p>
-            <a:endParaRPr lang="en-US" dirty="0"/>
-          </a:p>
-        </p:txBody>
-      </p:sp>
-      <p:sp>
-        <p:nvSpPr>
-          <p:cNvPr id="4" name="Slide Number Placeholder 3"/>
-          <p:cNvSpPr>
-            <a:spLocks noGrp="1"/>
-          </p:cNvSpPr>
-          <p:nvPr>
-            <p:ph type="sldNum" sz="quarter" idx="5"/>
-          </p:nvPr>
-        </p:nvSpPr>
-        <p:spPr/>
-        <p:txBody>
-          <a:bodyPr/>
-          <a:lstStyle/>
-          <a:p>
-            <a:fld id="{329DE463-A1C0-414E-B4AA-BAE163A06D01}" type="slidenum">
-              <a:rPr lang="en-US" smtClean="0"/>
-              <a:t>14</a:t>
-            </a:fld>
-            <a:endParaRPr lang="en-US"/>
-          </a:p>
-        </p:txBody>
-      </p:sp>
-    </p:spTree>
-    <p:extLst>
-      <p:ext uri="{BB962C8B-B14F-4D97-AF65-F5344CB8AC3E}">
-        <p14:creationId xmlns:p14="http://schemas.microsoft.com/office/powerpoint/2010/main" val="3272741804"/>
-      </p:ext>
-    </p:extLst>
-  </p:cSld>
-  <p:clrMapOvr>
-    <a:masterClrMapping/>
-  </p:clrMapOvr>
-</p:notes>
-</file>
-
-<file path=ppt/notesSlides/notesSlide11.xml><?xml version="1.0" encoding="utf-8"?>
-<p:notes xmlns:a="http://schemas.openxmlformats.org/drawingml/2006/main" xmlns:r="http://schemas.openxmlformats.org/officeDocument/2006/relationships" xmlns:p="http://schemas.openxmlformats.org/presentationml/2006/main">
-  <p:cSld>
-    <p:spTree>
-      <p:nvGrpSpPr>
-        <p:cNvPr id="1" name=""/>
-        <p:cNvGrpSpPr/>
-        <p:nvPr/>
-      </p:nvGrpSpPr>
-      <p:grpSpPr>
-        <a:xfrm>
-          <a:off x="0" y="0"/>
-          <a:ext cx="0" cy="0"/>
-          <a:chOff x="0" y="0"/>
-          <a:chExt cx="0" cy="0"/>
-        </a:xfrm>
-      </p:grpSpPr>
-      <p:sp>
-        <p:nvSpPr>
-          <p:cNvPr id="2" name="Slide Image Placeholder 1"/>
-          <p:cNvSpPr>
-            <a:spLocks noGrp="1" noRot="1" noChangeAspect="1"/>
-          </p:cNvSpPr>
-          <p:nvPr>
-            <p:ph type="sldImg"/>
-          </p:nvPr>
-        </p:nvSpPr>
-        <p:spPr/>
-      </p:sp>
-      <p:sp>
-        <p:nvSpPr>
-          <p:cNvPr id="3" name="Notes Placeholder 2"/>
-          <p:cNvSpPr>
-            <a:spLocks noGrp="1"/>
-          </p:cNvSpPr>
-          <p:nvPr>
-            <p:ph type="body" idx="1"/>
-          </p:nvPr>
-        </p:nvSpPr>
-        <p:spPr/>
-        <p:txBody>
-          <a:bodyPr/>
-          <a:lstStyle/>
-          <a:p>
-            <a:pPr marL="0" marR="0" lvl="0" indent="0" algn="l" defTabSz="914400" rtl="0" eaLnBrk="1" fontAlgn="auto" latinLnBrk="0" hangingPunct="1">
-              <a:lnSpc>
-                <a:spcPct val="100000"/>
-              </a:lnSpc>
-              <a:spcBef>
-                <a:spcPts val="0"/>
-              </a:spcBef>
-              <a:spcAft>
-                <a:spcPts val="0"/>
-              </a:spcAft>
-              <a:buClrTx/>
-              <a:buSzTx/>
-              <a:buFontTx/>
-              <a:buNone/>
-              <a:tabLst/>
-              <a:defRPr/>
-            </a:pPr>
-            <a:r>
-              <a:rPr lang="en-US" dirty="0"/>
-              <a:t>Please note: there are 3 hidden figures on this slide, viewable when animations are present</a:t>
-            </a:r>
-          </a:p>
-          <a:p>
-            <a:endParaRPr lang="en-US" dirty="0"/>
-          </a:p>
-        </p:txBody>
-      </p:sp>
-      <p:sp>
-        <p:nvSpPr>
-          <p:cNvPr id="4" name="Slide Number Placeholder 3"/>
-          <p:cNvSpPr>
-            <a:spLocks noGrp="1"/>
-          </p:cNvSpPr>
-          <p:nvPr>
-            <p:ph type="sldNum" sz="quarter" idx="5"/>
-          </p:nvPr>
-        </p:nvSpPr>
-        <p:spPr/>
-        <p:txBody>
-          <a:bodyPr/>
-          <a:lstStyle/>
-          <a:p>
-            <a:fld id="{329DE463-A1C0-414E-B4AA-BAE163A06D01}" type="slidenum">
-              <a:rPr lang="en-US" smtClean="0"/>
-              <a:t>15</a:t>
-            </a:fld>
-            <a:endParaRPr lang="en-US"/>
-          </a:p>
-        </p:txBody>
-      </p:sp>
-    </p:spTree>
-    <p:extLst>
-      <p:ext uri="{BB962C8B-B14F-4D97-AF65-F5344CB8AC3E}">
-        <p14:creationId xmlns:p14="http://schemas.microsoft.com/office/powerpoint/2010/main" val="366855300"/>
-      </p:ext>
-    </p:extLst>
-  </p:cSld>
-  <p:clrMapOvr>
-    <a:masterClrMapping/>
-  </p:clrMapOvr>
-</p:notes>
-</file>
-
-<file path=ppt/notesSlides/notesSlide12.xml><?xml version="1.0" encoding="utf-8"?>
-<p:notes xmlns:a="http://schemas.openxmlformats.org/drawingml/2006/main" xmlns:r="http://schemas.openxmlformats.org/officeDocument/2006/relationships" xmlns:p="http://schemas.openxmlformats.org/presentationml/2006/main">
-  <p:cSld>
-    <p:spTree>
-      <p:nvGrpSpPr>
-        <p:cNvPr id="1" name=""/>
-        <p:cNvGrpSpPr/>
-        <p:nvPr/>
-      </p:nvGrpSpPr>
-      <p:grpSpPr>
-        <a:xfrm>
-          <a:off x="0" y="0"/>
-          <a:ext cx="0" cy="0"/>
-          <a:chOff x="0" y="0"/>
-          <a:chExt cx="0" cy="0"/>
-        </a:xfrm>
-      </p:grpSpPr>
-      <p:sp>
-        <p:nvSpPr>
-          <p:cNvPr id="2" name="Slide Image Placeholder 1"/>
-          <p:cNvSpPr>
-            <a:spLocks noGrp="1" noRot="1" noChangeAspect="1"/>
-          </p:cNvSpPr>
-          <p:nvPr>
-            <p:ph type="sldImg"/>
-          </p:nvPr>
-        </p:nvSpPr>
-        <p:spPr/>
-      </p:sp>
-      <p:sp>
-        <p:nvSpPr>
-          <p:cNvPr id="3" name="Notes Placeholder 2"/>
-          <p:cNvSpPr>
-            <a:spLocks noGrp="1"/>
-          </p:cNvSpPr>
-          <p:nvPr>
-            <p:ph type="body" idx="1"/>
-          </p:nvPr>
-        </p:nvSpPr>
-        <p:spPr/>
-        <p:txBody>
-          <a:bodyPr/>
-          <a:lstStyle/>
-          <a:p>
             <a:endParaRPr lang="en-US" dirty="0"/>
           </a:p>
         </p:txBody>
@@ -886,7 +695,7 @@
 </p:notes>
 </file>
 
-<file path=ppt/notesSlides/notesSlide13.xml><?xml version="1.0" encoding="utf-8"?>
+<file path=ppt/notesSlides/notesSlide11.xml><?xml version="1.0" encoding="utf-8"?>
 <p:notes xmlns:a="http://schemas.openxmlformats.org/drawingml/2006/main" xmlns:r="http://schemas.openxmlformats.org/officeDocument/2006/relationships" xmlns:p="http://schemas.openxmlformats.org/presentationml/2006/main">
   <p:cSld>
     <p:spTree>
@@ -1360,55 +1169,6 @@
           <a:bodyPr/>
           <a:lstStyle/>
           <a:p>
-            <a:pPr rtl="0">
-              <a:spcBef>
-                <a:spcPts val="0"/>
-              </a:spcBef>
-              <a:spcAft>
-                <a:spcPts val="0"/>
-              </a:spcAft>
-            </a:pPr>
-            <a:r>
-              <a:rPr lang="en-US" sz="1800" b="0" i="0" u="none" strike="noStrike" dirty="0">
-                <a:solidFill>
-                  <a:srgbClr val="000000"/>
-                </a:solidFill>
-                <a:effectLst/>
-                <a:latin typeface="Arial" panose="020B0604020202020204" pitchFamily="34" charset="0"/>
-              </a:rPr>
-              <a:t> Within Chicago zip codes, lower income areas will have higher rates of covid 19 than higher income areas. Our rationale is that lower income areas have several contributing factors leading to these higher rates which are lower access to healthcare and a lowered ability to afford healthcare which may mitigate COVID-19 transmissions.</a:t>
-            </a:r>
-            <a:endParaRPr lang="en-US" b="0" dirty="0">
-              <a:effectLst/>
-            </a:endParaRPr>
-          </a:p>
-          <a:p>
-            <a:pPr rtl="0">
-              <a:spcBef>
-                <a:spcPts val="0"/>
-              </a:spcBef>
-              <a:spcAft>
-                <a:spcPts val="0"/>
-              </a:spcAft>
-            </a:pPr>
-            <a:r>
-              <a:rPr lang="en-US" sz="1800" b="0" i="0" u="none" strike="noStrike" dirty="0">
-                <a:solidFill>
-                  <a:srgbClr val="000000"/>
-                </a:solidFill>
-                <a:effectLst/>
-                <a:latin typeface="Arial" panose="020B0604020202020204" pitchFamily="34" charset="0"/>
-              </a:rPr>
-              <a:t>To help prove this we made some figures comparing the Covid test rates, covid case rates, and covid death rates with the average household income. </a:t>
-            </a:r>
-            <a:endParaRPr lang="en-US" b="0" dirty="0">
-              <a:effectLst/>
-            </a:endParaRPr>
-          </a:p>
-          <a:p>
-            <a:br>
-              <a:rPr lang="en-US" dirty="0"/>
-            </a:br>
             <a:endParaRPr lang="en-US" dirty="0"/>
           </a:p>
         </p:txBody>
@@ -1493,52 +1253,6 @@
           <a:bodyPr/>
           <a:lstStyle/>
           <a:p>
-            <a:pPr rtl="0">
-              <a:spcBef>
-                <a:spcPts val="0"/>
-              </a:spcBef>
-              <a:spcAft>
-                <a:spcPts val="0"/>
-              </a:spcAft>
-            </a:pPr>
-            <a:r>
-              <a:rPr lang="en-US" sz="1800" b="0" i="0" u="none" strike="noStrike" dirty="0">
-                <a:solidFill>
-                  <a:srgbClr val="000000"/>
-                </a:solidFill>
-                <a:effectLst/>
-                <a:latin typeface="Arial" panose="020B0604020202020204" pitchFamily="34" charset="0"/>
-              </a:rPr>
-              <a:t>We first graphed a scatterplot comparing covid test rates with household income and we noticed that the higher income areas had a lower test rate compared to the lower income areas. The </a:t>
-            </a:r>
-            <a:r>
-              <a:rPr lang="en-US" sz="1800" b="0" i="0" u="none" strike="noStrike" dirty="0" err="1">
-                <a:solidFill>
-                  <a:srgbClr val="000000"/>
-                </a:solidFill>
-                <a:effectLst/>
-                <a:latin typeface="Arial" panose="020B0604020202020204" pitchFamily="34" charset="0"/>
-              </a:rPr>
-              <a:t>r-value</a:t>
-            </a:r>
-            <a:r>
-              <a:rPr lang="en-US" sz="1800" b="0" i="0" u="none" strike="noStrike" dirty="0">
-                <a:solidFill>
-                  <a:srgbClr val="000000"/>
-                </a:solidFill>
-                <a:effectLst/>
-                <a:latin typeface="Arial" panose="020B0604020202020204" pitchFamily="34" charset="0"/>
-              </a:rPr>
-              <a:t> is -0.4099 which means there is a negative relationship and it is not exactly a linear relationship.</a:t>
-            </a:r>
-            <a:endParaRPr lang="en-US" b="0" dirty="0">
-              <a:effectLst/>
-            </a:endParaRPr>
-          </a:p>
-          <a:p>
-            <a:br>
-              <a:rPr lang="en-US" dirty="0"/>
-            </a:br>
             <a:endParaRPr lang="en-US" dirty="0"/>
           </a:p>
         </p:txBody>
@@ -1623,53 +1337,10 @@
           <a:bodyPr/>
           <a:lstStyle/>
           <a:p>
-            <a:pPr rtl="0">
-              <a:spcBef>
-                <a:spcPts val="0"/>
-              </a:spcBef>
-              <a:spcAft>
-                <a:spcPts val="0"/>
-              </a:spcAft>
-            </a:pPr>
-            <a:r>
-              <a:rPr lang="en-US" sz="1800" b="0" i="0" u="none" strike="noStrike" dirty="0">
-                <a:solidFill>
-                  <a:srgbClr val="000000"/>
-                </a:solidFill>
-                <a:effectLst/>
-                <a:latin typeface="Arial" panose="020B0604020202020204" pitchFamily="34" charset="0"/>
-              </a:rPr>
-              <a:t>We also graphed a scatterplot comparing the covid case rate with household income. The </a:t>
-            </a:r>
-            <a:r>
-              <a:rPr lang="en-US" sz="1800" b="0" i="0" u="none" strike="noStrike" dirty="0" err="1">
-                <a:solidFill>
-                  <a:srgbClr val="000000"/>
-                </a:solidFill>
-                <a:effectLst/>
-                <a:latin typeface="Arial" panose="020B0604020202020204" pitchFamily="34" charset="0"/>
-              </a:rPr>
-              <a:t>r-value</a:t>
-            </a:r>
-            <a:r>
-              <a:rPr lang="en-US" sz="1800" b="0" i="0" u="none" strike="noStrike" dirty="0">
-                <a:solidFill>
-                  <a:srgbClr val="000000"/>
-                </a:solidFill>
-                <a:effectLst/>
-                <a:latin typeface="Arial" panose="020B0604020202020204" pitchFamily="34" charset="0"/>
-              </a:rPr>
-              <a:t> is 0.2235 which means a positive relationship but not a good linear relationship but there is still a small pattern. The higher income areas have more positive cases. </a:t>
-            </a:r>
-            <a:endParaRPr lang="en-US" b="0" dirty="0">
-              <a:effectLst/>
-            </a:endParaRPr>
-          </a:p>
-          <a:p>
-            <a:br>
+            <a:r>
               <a:rPr lang="en-US" dirty="0"/>
-            </a:br>
-            <a:endParaRPr lang="en-US" dirty="0"/>
+              <a:t>Please note: there are 3 hidden figures on this slide, viewable when animations are present</a:t>
+            </a:r>
           </a:p>
         </p:txBody>
       </p:sp>
@@ -1690,7 +1361,7 @@
           <a:p>
             <a:fld id="{329DE463-A1C0-414E-B4AA-BAE163A06D01}" type="slidenum">
               <a:rPr lang="en-US" smtClean="0"/>
-              <a:t>10</a:t>
+              <a:t>13</a:t>
             </a:fld>
             <a:endParaRPr lang="en-US"/>
           </a:p>
@@ -1699,7 +1370,7 @@
     </p:spTree>
     <p:extLst>
       <p:ext uri="{BB962C8B-B14F-4D97-AF65-F5344CB8AC3E}">
-        <p14:creationId xmlns:p14="http://schemas.microsoft.com/office/powerpoint/2010/main" val="2052304349"/>
+        <p14:creationId xmlns:p14="http://schemas.microsoft.com/office/powerpoint/2010/main" val="1309549206"/>
       </p:ext>
     </p:extLst>
   </p:cSld>
@@ -1753,52 +1424,29 @@
           <a:bodyPr/>
           <a:lstStyle/>
           <a:p>
-            <a:pPr rtl="0">
+            <a:pPr marL="0" marR="0" lvl="0" indent="0" algn="l" defTabSz="914400" rtl="0" eaLnBrk="1" fontAlgn="auto" latinLnBrk="0" hangingPunct="1">
+              <a:lnSpc>
+                <a:spcPct val="100000"/>
+              </a:lnSpc>
               <a:spcBef>
                 <a:spcPts val="0"/>
               </a:spcBef>
               <a:spcAft>
                 <a:spcPts val="0"/>
               </a:spcAft>
+              <a:buClrTx/>
+              <a:buSzTx/>
+              <a:buFontTx/>
+              <a:buNone/>
+              <a:tabLst/>
+              <a:defRPr/>
             </a:pPr>
             <a:r>
-              <a:rPr lang="en-US" sz="1800" b="0" i="0" u="none" strike="noStrike" dirty="0">
-                <a:solidFill>
-                  <a:srgbClr val="000000"/>
-                </a:solidFill>
-                <a:effectLst/>
-                <a:latin typeface="Arial" panose="020B0604020202020204" pitchFamily="34" charset="0"/>
-              </a:rPr>
-              <a:t>We graphed a scatterplot comparing the covid death rate with household income. The </a:t>
-            </a:r>
-            <a:r>
-              <a:rPr lang="en-US" sz="1800" b="0" i="0" u="none" strike="noStrike" dirty="0" err="1">
-                <a:solidFill>
-                  <a:srgbClr val="000000"/>
-                </a:solidFill>
-                <a:effectLst/>
-                <a:latin typeface="Arial" panose="020B0604020202020204" pitchFamily="34" charset="0"/>
-              </a:rPr>
-              <a:t>r-value</a:t>
-            </a:r>
-            <a:r>
-              <a:rPr lang="en-US" sz="1800" b="0" i="0" u="none" strike="noStrike" dirty="0">
-                <a:solidFill>
-                  <a:srgbClr val="000000"/>
-                </a:solidFill>
-                <a:effectLst/>
-                <a:latin typeface="Arial" panose="020B0604020202020204" pitchFamily="34" charset="0"/>
-              </a:rPr>
-              <a:t> is -0.6624 which means a negative relationship and it has a more linear relationship compared to the other 2 graphs. There is a significant difference between higher income and lower deaths. When comparing the data from all 3 scatter plots we can see that even though the lower income areas had a higher test rate and a lower case rate they still had a very high death rate showing that the limited access to healthcare could have been a case for this difference. </a:t>
-            </a:r>
-            <a:endParaRPr lang="en-US" b="0" dirty="0">
-              <a:effectLst/>
-            </a:endParaRPr>
-          </a:p>
-          <a:p>
-            <a:br>
               <a:rPr lang="en-US" dirty="0"/>
-            </a:br>
+              <a:t>Please note: there are 3 hidden figures on this slide, viewable when animations are present</a:t>
+            </a:r>
+          </a:p>
+          <a:p>
             <a:endParaRPr lang="en-US" dirty="0"/>
           </a:p>
         </p:txBody>
@@ -1820,7 +1468,7 @@
           <a:p>
             <a:fld id="{329DE463-A1C0-414E-B4AA-BAE163A06D01}" type="slidenum">
               <a:rPr lang="en-US" smtClean="0"/>
-              <a:t>11</a:t>
+              <a:t>14</a:t>
             </a:fld>
             <a:endParaRPr lang="en-US"/>
           </a:p>
@@ -1829,7 +1477,7 @@
     </p:spTree>
     <p:extLst>
       <p:ext uri="{BB962C8B-B14F-4D97-AF65-F5344CB8AC3E}">
-        <p14:creationId xmlns:p14="http://schemas.microsoft.com/office/powerpoint/2010/main" val="4043328214"/>
+        <p14:creationId xmlns:p14="http://schemas.microsoft.com/office/powerpoint/2010/main" val="3272741804"/>
       </p:ext>
     </p:extLst>
   </p:cSld>
@@ -1883,11 +1531,31 @@
           <a:bodyPr/>
           <a:lstStyle/>
           <a:p>
+            <a:pPr marL="0" marR="0" lvl="0" indent="0" algn="l" defTabSz="914400" rtl="0" eaLnBrk="1" fontAlgn="auto" latinLnBrk="0" hangingPunct="1">
+              <a:lnSpc>
+                <a:spcPct val="100000"/>
+              </a:lnSpc>
+              <a:spcBef>
+                <a:spcPts val="0"/>
+              </a:spcBef>
+              <a:spcAft>
+                <a:spcPts val="0"/>
+              </a:spcAft>
+              <a:buClrTx/>
+              <a:buSzTx/>
+              <a:buFontTx/>
+              <a:buNone/>
+              <a:tabLst/>
+              <a:defRPr/>
+            </a:pPr>
             <a:r>
               <a:rPr lang="en-US" dirty="0"/>
               <a:t>Please note: there are 3 hidden figures on this slide, viewable when animations are present</a:t>
             </a:r>
           </a:p>
+          <a:p>
+            <a:endParaRPr lang="en-US" dirty="0"/>
+          </a:p>
         </p:txBody>
       </p:sp>
       <p:sp>
@@ -1907,7 +1575,7 @@
           <a:p>
             <a:fld id="{329DE463-A1C0-414E-B4AA-BAE163A06D01}" type="slidenum">
               <a:rPr lang="en-US" smtClean="0"/>
-              <a:t>13</a:t>
+              <a:t>15</a:t>
             </a:fld>
             <a:endParaRPr lang="en-US"/>
           </a:p>
@@ -1916,7 +1584,7 @@
     </p:spTree>
     <p:extLst>
       <p:ext uri="{BB962C8B-B14F-4D97-AF65-F5344CB8AC3E}">
-        <p14:creationId xmlns:p14="http://schemas.microsoft.com/office/powerpoint/2010/main" val="1309549206"/>
+        <p14:creationId xmlns:p14="http://schemas.microsoft.com/office/powerpoint/2010/main" val="366855300"/>
       </p:ext>
     </p:extLst>
   </p:cSld>
@@ -5819,12 +5487,44 @@
           <a:p>
             <a:pPr algn="l"/>
             <a:r>
+              <a:rPr lang="en-US" sz="1200" dirty="0">
+                <a:solidFill>
+                  <a:schemeClr val="bg1"/>
+                </a:solidFill>
+              </a:rPr>
+              <a:t>By </a:t>
+            </a:r>
+            <a:r>
               <a:rPr lang="en-US" sz="1200">
                 <a:solidFill>
                   <a:schemeClr val="bg1"/>
                 </a:solidFill>
               </a:rPr>
-              <a:t>By Manli Patel, Jen Krizman, and Roxanne Meyer</a:t>
+              <a:t>ManAli</a:t>
+            </a:r>
+            <a:r>
+              <a:rPr lang="en-US" sz="1200" dirty="0">
+                <a:solidFill>
+                  <a:schemeClr val="bg1"/>
+                </a:solidFill>
+              </a:rPr>
+              <a:t> Patel, Jen </a:t>
+            </a:r>
+            <a:r>
+              <a:rPr lang="en-US" sz="1200" dirty="0" err="1">
+                <a:solidFill>
+                  <a:schemeClr val="bg1"/>
+                </a:solidFill>
+              </a:rPr>
+              <a:t>Krizman</a:t>
+            </a:r>
+            <a:r>
+              <a:rPr lang="en-US" sz="1200" dirty="0">
+                <a:solidFill>
+                  <a:schemeClr val="bg1"/>
+                </a:solidFill>
+              </a:rPr>
+              <a:t>, and Roxanne Meyer</a:t>
             </a:r>
           </a:p>
         </p:txBody>
@@ -6112,7 +5812,7 @@
           </p:nvPr>
         </p:nvPicPr>
         <p:blipFill>
-          <a:blip r:embed="rId3">
+          <a:blip r:embed="rId2">
             <a:extLst>
               <a:ext uri="{28A0092B-C50C-407E-A947-70E740481C1C}">
                 <a14:useLocalDpi xmlns:a14="http://schemas.microsoft.com/office/drawing/2010/main" val="0"/>
@@ -6205,7 +5905,7 @@
           </p:nvPr>
         </p:nvPicPr>
         <p:blipFill>
-          <a:blip r:embed="rId3">
+          <a:blip r:embed="rId2">
             <a:extLst>
               <a:ext uri="{28A0092B-C50C-407E-A947-70E740481C1C}">
                 <a14:useLocalDpi xmlns:a14="http://schemas.microsoft.com/office/drawing/2010/main" val="0"/>
